--- a/trunk/TP Minería/Sistema de Información Geográfica.pptx
+++ b/trunk/TP Minería/Sistema de Información Geográfica.pptx
@@ -12,6 +12,7 @@
     <p:sldId id="260" r:id="rId6"/>
     <p:sldId id="261" r:id="rId7"/>
     <p:sldId id="262" r:id="rId8"/>
+    <p:sldId id="263" r:id="rId9"/>
   </p:sldIdLst>
   <p:sldSz cx="9144000" cy="6858000" type="screen4x3"/>
   <p:notesSz cx="6858000" cy="9144000"/>
@@ -738,7 +739,8 @@
           <a:p>
             <a:fld id="{72C51A09-962E-41BF-A551-5E6061E87C25}" type="datetimeFigureOut">
               <a:rPr lang="es-AR" smtClean="0"/>
-              <a:t>15/09/2011</a:t>
+              <a:pPr/>
+              <a:t>16/09/2011</a:t>
             </a:fld>
             <a:endParaRPr lang="es-AR"/>
           </a:p>
@@ -800,6 +802,7 @@
           <a:p>
             <a:fld id="{675BB243-F755-4DF6-8A2E-18C9B4ED04E8}" type="slidenum">
               <a:rPr lang="es-AR" smtClean="0"/>
+              <a:pPr/>
               <a:t>‹Nº›</a:t>
             </a:fld>
             <a:endParaRPr lang="es-AR"/>
@@ -934,7 +937,8 @@
           <a:p>
             <a:fld id="{72C51A09-962E-41BF-A551-5E6061E87C25}" type="datetimeFigureOut">
               <a:rPr lang="es-AR" smtClean="0"/>
-              <a:t>15/09/2011</a:t>
+              <a:pPr/>
+              <a:t>16/09/2011</a:t>
             </a:fld>
             <a:endParaRPr lang="es-AR"/>
           </a:p>
@@ -980,6 +984,7 @@
           <a:p>
             <a:fld id="{675BB243-F755-4DF6-8A2E-18C9B4ED04E8}" type="slidenum">
               <a:rPr lang="es-AR" smtClean="0"/>
+              <a:pPr/>
               <a:t>‹Nº›</a:t>
             </a:fld>
             <a:endParaRPr lang="es-AR"/>
@@ -1119,7 +1124,8 @@
           <a:p>
             <a:fld id="{72C51A09-962E-41BF-A551-5E6061E87C25}" type="datetimeFigureOut">
               <a:rPr lang="es-AR" smtClean="0"/>
-              <a:t>15/09/2011</a:t>
+              <a:pPr/>
+              <a:t>16/09/2011</a:t>
             </a:fld>
             <a:endParaRPr lang="es-AR"/>
           </a:p>
@@ -1165,6 +1171,7 @@
           <a:p>
             <a:fld id="{675BB243-F755-4DF6-8A2E-18C9B4ED04E8}" type="slidenum">
               <a:rPr lang="es-AR" smtClean="0"/>
+              <a:pPr/>
               <a:t>‹Nº›</a:t>
             </a:fld>
             <a:endParaRPr lang="es-AR"/>
@@ -1269,7 +1276,8 @@
           <a:p>
             <a:fld id="{72C51A09-962E-41BF-A551-5E6061E87C25}" type="datetimeFigureOut">
               <a:rPr lang="es-AR" smtClean="0"/>
-              <a:t>15/09/2011</a:t>
+              <a:pPr/>
+              <a:t>16/09/2011</a:t>
             </a:fld>
             <a:endParaRPr lang="es-AR"/>
           </a:p>
@@ -1315,6 +1323,7 @@
           <a:p>
             <a:fld id="{675BB243-F755-4DF6-8A2E-18C9B4ED04E8}" type="slidenum">
               <a:rPr lang="es-AR" smtClean="0"/>
+              <a:pPr/>
               <a:t>‹Nº›</a:t>
             </a:fld>
             <a:endParaRPr lang="es-AR"/>
@@ -1524,7 +1533,8 @@
           <a:p>
             <a:fld id="{72C51A09-962E-41BF-A551-5E6061E87C25}" type="datetimeFigureOut">
               <a:rPr lang="es-AR" smtClean="0"/>
-              <a:t>15/09/2011</a:t>
+              <a:pPr/>
+              <a:t>16/09/2011</a:t>
             </a:fld>
             <a:endParaRPr lang="es-AR"/>
           </a:p>
@@ -1570,6 +1580,7 @@
           <a:p>
             <a:fld id="{675BB243-F755-4DF6-8A2E-18C9B4ED04E8}" type="slidenum">
               <a:rPr lang="es-AR" smtClean="0"/>
+              <a:pPr/>
               <a:t>‹Nº›</a:t>
             </a:fld>
             <a:endParaRPr lang="es-AR"/>
@@ -1933,7 +1944,8 @@
           <a:p>
             <a:fld id="{72C51A09-962E-41BF-A551-5E6061E87C25}" type="datetimeFigureOut">
               <a:rPr lang="es-AR" smtClean="0"/>
-              <a:t>15/09/2011</a:t>
+              <a:pPr/>
+              <a:t>16/09/2011</a:t>
             </a:fld>
             <a:endParaRPr lang="es-AR"/>
           </a:p>
@@ -1979,6 +1991,7 @@
           <a:p>
             <a:fld id="{675BB243-F755-4DF6-8A2E-18C9B4ED04E8}" type="slidenum">
               <a:rPr lang="es-AR" smtClean="0"/>
+              <a:pPr/>
               <a:t>‹Nº›</a:t>
             </a:fld>
             <a:endParaRPr lang="es-AR"/>
@@ -2379,7 +2392,8 @@
           <a:p>
             <a:fld id="{72C51A09-962E-41BF-A551-5E6061E87C25}" type="datetimeFigureOut">
               <a:rPr lang="es-AR" smtClean="0"/>
-              <a:t>15/09/2011</a:t>
+              <a:pPr/>
+              <a:t>16/09/2011</a:t>
             </a:fld>
             <a:endParaRPr lang="es-AR"/>
           </a:p>
@@ -2425,6 +2439,7 @@
           <a:p>
             <a:fld id="{675BB243-F755-4DF6-8A2E-18C9B4ED04E8}" type="slidenum">
               <a:rPr lang="es-AR" smtClean="0"/>
+              <a:pPr/>
               <a:t>‹Nº›</a:t>
             </a:fld>
             <a:endParaRPr lang="es-AR"/>
@@ -2480,7 +2495,8 @@
           <a:p>
             <a:fld id="{72C51A09-962E-41BF-A551-5E6061E87C25}" type="datetimeFigureOut">
               <a:rPr lang="es-AR" smtClean="0"/>
-              <a:t>15/09/2011</a:t>
+              <a:pPr/>
+              <a:t>16/09/2011</a:t>
             </a:fld>
             <a:endParaRPr lang="es-AR"/>
           </a:p>
@@ -2526,6 +2542,7 @@
           <a:p>
             <a:fld id="{675BB243-F755-4DF6-8A2E-18C9B4ED04E8}" type="slidenum">
               <a:rPr lang="es-AR" smtClean="0"/>
+              <a:pPr/>
               <a:t>‹Nº›</a:t>
             </a:fld>
             <a:endParaRPr lang="es-AR"/>
@@ -2601,7 +2618,8 @@
           <a:p>
             <a:fld id="{72C51A09-962E-41BF-A551-5E6061E87C25}" type="datetimeFigureOut">
               <a:rPr lang="es-AR" smtClean="0"/>
-              <a:t>15/09/2011</a:t>
+              <a:pPr/>
+              <a:t>16/09/2011</a:t>
             </a:fld>
             <a:endParaRPr lang="es-AR"/>
           </a:p>
@@ -2647,6 +2665,7 @@
           <a:p>
             <a:fld id="{675BB243-F755-4DF6-8A2E-18C9B4ED04E8}" type="slidenum">
               <a:rPr lang="es-AR" smtClean="0"/>
+              <a:pPr/>
               <a:t>‹Nº›</a:t>
             </a:fld>
             <a:endParaRPr lang="es-AR"/>
@@ -2875,7 +2894,8 @@
           <a:p>
             <a:fld id="{72C51A09-962E-41BF-A551-5E6061E87C25}" type="datetimeFigureOut">
               <a:rPr lang="es-AR" smtClean="0"/>
-              <a:t>15/09/2011</a:t>
+              <a:pPr/>
+              <a:t>16/09/2011</a:t>
             </a:fld>
             <a:endParaRPr lang="es-AR"/>
           </a:p>
@@ -2921,6 +2941,7 @@
           <a:p>
             <a:fld id="{675BB243-F755-4DF6-8A2E-18C9B4ED04E8}" type="slidenum">
               <a:rPr lang="es-AR" smtClean="0"/>
+              <a:pPr/>
               <a:t>‹Nº›</a:t>
             </a:fld>
             <a:endParaRPr lang="es-AR"/>
@@ -3080,7 +3101,8 @@
           <a:p>
             <a:fld id="{72C51A09-962E-41BF-A551-5E6061E87C25}" type="datetimeFigureOut">
               <a:rPr lang="es-AR" smtClean="0"/>
-              <a:t>15/09/2011</a:t>
+              <a:pPr/>
+              <a:t>16/09/2011</a:t>
             </a:fld>
             <a:endParaRPr lang="es-AR"/>
           </a:p>
@@ -3145,6 +3167,7 @@
           <a:p>
             <a:fld id="{675BB243-F755-4DF6-8A2E-18C9B4ED04E8}" type="slidenum">
               <a:rPr lang="es-AR" smtClean="0"/>
+              <a:pPr/>
               <a:t>‹Nº›</a:t>
             </a:fld>
             <a:endParaRPr lang="es-AR"/>
@@ -4189,7 +4212,8 @@
           <a:p>
             <a:fld id="{72C51A09-962E-41BF-A551-5E6061E87C25}" type="datetimeFigureOut">
               <a:rPr lang="es-AR" smtClean="0"/>
-              <a:t>15/09/2011</a:t>
+              <a:pPr/>
+              <a:t>16/09/2011</a:t>
             </a:fld>
             <a:endParaRPr lang="es-AR"/>
           </a:p>
@@ -4265,6 +4289,7 @@
           <a:p>
             <a:fld id="{675BB243-F755-4DF6-8A2E-18C9B4ED04E8}" type="slidenum">
               <a:rPr lang="es-AR" smtClean="0"/>
+              <a:pPr/>
               <a:t>‹Nº›</a:t>
             </a:fld>
             <a:endParaRPr lang="es-AR"/>
@@ -4718,6 +4743,19 @@
             <a:off x="214282" y="1214422"/>
             <a:ext cx="8786999" cy="4568852"/>
           </a:xfrm>
+          <a:prstGeom prst="rect">
+            <a:avLst/>
+          </a:prstGeom>
+          <a:ln>
+            <a:noFill/>
+          </a:ln>
+          <a:effectLst>
+            <a:outerShdw blurRad="292100" dist="139700" dir="2700000" algn="tl" rotWithShape="0">
+              <a:srgbClr val="333333">
+                <a:alpha val="65000"/>
+              </a:srgbClr>
+            </a:outerShdw>
+          </a:effectLst>
         </p:spPr>
       </p:pic>
       <p:sp>
@@ -4802,11 +4840,7 @@
             </a:r>
             <a:r>
               <a:rPr lang="es-AR" sz="2800" dirty="0" smtClean="0"/>
-              <a:t> </a:t>
-            </a:r>
-            <a:r>
-              <a:rPr lang="es-AR" sz="2800" dirty="0" smtClean="0"/>
-              <a:t>en una calle</a:t>
+              <a:t> en una calle</a:t>
             </a:r>
           </a:p>
           <a:p>
@@ -4914,6 +4948,19 @@
             <a:off x="838243" y="1481138"/>
             <a:ext cx="7467513" cy="4525962"/>
           </a:xfrm>
+          <a:prstGeom prst="rect">
+            <a:avLst/>
+          </a:prstGeom>
+          <a:ln>
+            <a:noFill/>
+          </a:ln>
+          <a:effectLst>
+            <a:outerShdw blurRad="292100" dist="139700" dir="2700000" algn="tl" rotWithShape="0">
+              <a:srgbClr val="333333">
+                <a:alpha val="65000"/>
+              </a:srgbClr>
+            </a:outerShdw>
+          </a:effectLst>
         </p:spPr>
       </p:pic>
       <p:sp>
@@ -4995,13 +5042,8 @@
             <a:pPr lvl="1"/>
             <a:r>
               <a:rPr lang="es-AR" sz="2400" dirty="0" smtClean="0"/>
-              <a:t>Cómo llegar desde </a:t>
-            </a:r>
-            <a:r>
-              <a:rPr lang="es-AR" sz="2400" dirty="0" smtClean="0"/>
-              <a:t>aquí </a:t>
-            </a:r>
-            <a:endParaRPr lang="es-AR" sz="2400" dirty="0" smtClean="0"/>
+              <a:t>Cómo llegar desde aquí </a:t>
+            </a:r>
           </a:p>
           <a:p>
             <a:pPr lvl="1"/>
@@ -5124,11 +5166,7 @@
             <a:pPr lvl="2"/>
             <a:r>
               <a:rPr lang="es-AR" sz="2400" dirty="0" smtClean="0"/>
-              <a:t>Área </a:t>
-            </a:r>
-            <a:r>
-              <a:rPr lang="es-AR" sz="2400" dirty="0" smtClean="0"/>
-              <a:t>hospitalaria</a:t>
+              <a:t>Área hospitalaria</a:t>
             </a:r>
           </a:p>
           <a:p>
@@ -5257,6 +5295,19 @@
             <a:off x="1924050" y="2239169"/>
             <a:ext cx="5295900" cy="3009900"/>
           </a:xfrm>
+          <a:prstGeom prst="rect">
+            <a:avLst/>
+          </a:prstGeom>
+          <a:ln>
+            <a:noFill/>
+          </a:ln>
+          <a:effectLst>
+            <a:outerShdw blurRad="292100" dist="139700" dir="2700000" algn="tl" rotWithShape="0">
+              <a:srgbClr val="333333">
+                <a:alpha val="65000"/>
+              </a:srgbClr>
+            </a:outerShdw>
+          </a:effectLst>
         </p:spPr>
       </p:pic>
       <p:sp>
@@ -5406,18 +5457,21 @@
         </p:blipFill>
         <p:spPr bwMode="auto">
           <a:xfrm>
-            <a:off x="3000364" y="1500174"/>
+            <a:off x="5143504" y="1428736"/>
             <a:ext cx="447675" cy="400050"/>
           </a:xfrm>
-          <a:prstGeom prst="rect">
-            <a:avLst/>
+          <a:prstGeom prst="roundRect">
+            <a:avLst>
+              <a:gd name="adj" fmla="val 8594"/>
+            </a:avLst>
           </a:prstGeom>
-          <a:noFill/>
-          <a:ln w="9525">
+          <a:solidFill>
+            <a:srgbClr val="FFFFFF">
+              <a:shade val="85000"/>
+            </a:srgbClr>
+          </a:solidFill>
+          <a:ln>
             <a:noFill/>
-            <a:miter lim="800000"/>
-            <a:headEnd/>
-            <a:tailEnd/>
           </a:ln>
           <a:effectLst/>
         </p:spPr>
@@ -5439,18 +5493,21 @@
         </p:blipFill>
         <p:spPr bwMode="auto">
           <a:xfrm>
-            <a:off x="3500430" y="1500174"/>
+            <a:off x="5695961" y="1428736"/>
             <a:ext cx="447675" cy="400050"/>
           </a:xfrm>
-          <a:prstGeom prst="rect">
-            <a:avLst/>
+          <a:prstGeom prst="roundRect">
+            <a:avLst>
+              <a:gd name="adj" fmla="val 8594"/>
+            </a:avLst>
           </a:prstGeom>
-          <a:noFill/>
-          <a:ln w="9525">
+          <a:solidFill>
+            <a:srgbClr val="FFFFFF">
+              <a:shade val="85000"/>
+            </a:srgbClr>
+          </a:solidFill>
+          <a:ln>
             <a:noFill/>
-            <a:miter lim="800000"/>
-            <a:headEnd/>
-            <a:tailEnd/>
           </a:ln>
           <a:effectLst/>
         </p:spPr>
@@ -5472,18 +5529,21 @@
         </p:blipFill>
         <p:spPr bwMode="auto">
           <a:xfrm>
-            <a:off x="4000496" y="1500174"/>
+            <a:off x="6267465" y="1428736"/>
             <a:ext cx="447675" cy="400050"/>
           </a:xfrm>
-          <a:prstGeom prst="rect">
-            <a:avLst/>
+          <a:prstGeom prst="roundRect">
+            <a:avLst>
+              <a:gd name="adj" fmla="val 8594"/>
+            </a:avLst>
           </a:prstGeom>
-          <a:noFill/>
-          <a:ln w="9525">
+          <a:solidFill>
+            <a:srgbClr val="FFFFFF">
+              <a:shade val="85000"/>
+            </a:srgbClr>
+          </a:solidFill>
+          <a:ln>
             <a:noFill/>
-            <a:miter lim="800000"/>
-            <a:headEnd/>
-            <a:tailEnd/>
           </a:ln>
           <a:effectLst/>
         </p:spPr>
@@ -5504,12 +5564,23 @@
         </p:blipFill>
         <p:spPr>
           <a:xfrm>
-            <a:off x="3000364" y="1928802"/>
+            <a:off x="5143504" y="1857364"/>
             <a:ext cx="428628" cy="428628"/>
           </a:xfrm>
-          <a:prstGeom prst="rect">
-            <a:avLst/>
+          <a:prstGeom prst="roundRect">
+            <a:avLst>
+              <a:gd name="adj" fmla="val 8594"/>
+            </a:avLst>
           </a:prstGeom>
+          <a:solidFill>
+            <a:srgbClr val="FFFFFF">
+              <a:shade val="85000"/>
+            </a:srgbClr>
+          </a:solidFill>
+          <a:ln>
+            <a:noFill/>
+          </a:ln>
+          <a:effectLst/>
         </p:spPr>
       </p:pic>
       <p:pic>
@@ -5528,12 +5599,23 @@
         </p:blipFill>
         <p:spPr>
           <a:xfrm>
-            <a:off x="3473448" y="1901820"/>
+            <a:off x="5688026" y="1830382"/>
             <a:ext cx="527048" cy="527048"/>
           </a:xfrm>
-          <a:prstGeom prst="rect">
-            <a:avLst/>
+          <a:prstGeom prst="roundRect">
+            <a:avLst>
+              <a:gd name="adj" fmla="val 8594"/>
+            </a:avLst>
           </a:prstGeom>
+          <a:solidFill>
+            <a:srgbClr val="FFFFFF">
+              <a:shade val="85000"/>
+            </a:srgbClr>
+          </a:solidFill>
+          <a:ln>
+            <a:noFill/>
+          </a:ln>
+          <a:effectLst/>
         </p:spPr>
       </p:pic>
       <p:pic>
@@ -5553,18 +5635,21 @@
         </p:blipFill>
         <p:spPr bwMode="auto">
           <a:xfrm>
-            <a:off x="3000364" y="2357430"/>
+            <a:off x="5143504" y="2285992"/>
             <a:ext cx="457200" cy="457200"/>
           </a:xfrm>
-          <a:prstGeom prst="rect">
-            <a:avLst/>
+          <a:prstGeom prst="roundRect">
+            <a:avLst>
+              <a:gd name="adj" fmla="val 8594"/>
+            </a:avLst>
           </a:prstGeom>
-          <a:noFill/>
-          <a:ln w="9525">
+          <a:solidFill>
+            <a:srgbClr val="FFFFFF">
+              <a:shade val="85000"/>
+            </a:srgbClr>
+          </a:solidFill>
+          <a:ln>
             <a:noFill/>
-            <a:miter lim="800000"/>
-            <a:headEnd/>
-            <a:tailEnd/>
           </a:ln>
           <a:effectLst/>
         </p:spPr>
@@ -5586,18 +5671,21 @@
         </p:blipFill>
         <p:spPr bwMode="auto">
           <a:xfrm>
-            <a:off x="4000496" y="1928802"/>
+            <a:off x="6391292" y="1857364"/>
             <a:ext cx="466724" cy="466724"/>
           </a:xfrm>
-          <a:prstGeom prst="rect">
-            <a:avLst/>
+          <a:prstGeom prst="roundRect">
+            <a:avLst>
+              <a:gd name="adj" fmla="val 8594"/>
+            </a:avLst>
           </a:prstGeom>
-          <a:noFill/>
-          <a:ln w="9525">
+          <a:solidFill>
+            <a:srgbClr val="FFFFFF">
+              <a:shade val="85000"/>
+            </a:srgbClr>
+          </a:solidFill>
+          <a:ln>
             <a:noFill/>
-            <a:miter lim="800000"/>
-            <a:headEnd/>
-            <a:tailEnd/>
           </a:ln>
           <a:effectLst/>
         </p:spPr>
@@ -5619,18 +5707,21 @@
         </p:blipFill>
         <p:spPr bwMode="auto">
           <a:xfrm>
-            <a:off x="3000364" y="2857496"/>
+            <a:off x="5143504" y="2786058"/>
             <a:ext cx="476250" cy="476250"/>
           </a:xfrm>
-          <a:prstGeom prst="rect">
-            <a:avLst/>
+          <a:prstGeom prst="roundRect">
+            <a:avLst>
+              <a:gd name="adj" fmla="val 8594"/>
+            </a:avLst>
           </a:prstGeom>
-          <a:noFill/>
-          <a:ln w="9525">
+          <a:solidFill>
+            <a:srgbClr val="FFFFFF">
+              <a:shade val="85000"/>
+            </a:srgbClr>
+          </a:solidFill>
+          <a:ln>
             <a:noFill/>
-            <a:miter lim="800000"/>
-            <a:headEnd/>
-            <a:tailEnd/>
           </a:ln>
           <a:effectLst/>
         </p:spPr>
@@ -5651,12 +5742,23 @@
         </p:blipFill>
         <p:spPr>
           <a:xfrm>
-            <a:off x="4929190" y="2000240"/>
+            <a:off x="7500958" y="1928802"/>
             <a:ext cx="428628" cy="428628"/>
           </a:xfrm>
-          <a:prstGeom prst="rect">
-            <a:avLst/>
+          <a:prstGeom prst="roundRect">
+            <a:avLst>
+              <a:gd name="adj" fmla="val 8594"/>
+            </a:avLst>
           </a:prstGeom>
+          <a:solidFill>
+            <a:srgbClr val="FFFFFF">
+              <a:shade val="85000"/>
+            </a:srgbClr>
+          </a:solidFill>
+          <a:ln>
+            <a:noFill/>
+          </a:ln>
+          <a:effectLst/>
         </p:spPr>
       </p:pic>
       <p:pic>
@@ -5675,12 +5777,23 @@
         </p:blipFill>
         <p:spPr>
           <a:xfrm>
-            <a:off x="4500562" y="2000240"/>
+            <a:off x="7000892" y="1928802"/>
             <a:ext cx="428628" cy="428628"/>
           </a:xfrm>
-          <a:prstGeom prst="rect">
-            <a:avLst/>
+          <a:prstGeom prst="roundRect">
+            <a:avLst>
+              <a:gd name="adj" fmla="val 8594"/>
+            </a:avLst>
           </a:prstGeom>
+          <a:solidFill>
+            <a:srgbClr val="FFFFFF">
+              <a:shade val="85000"/>
+            </a:srgbClr>
+          </a:solidFill>
+          <a:ln>
+            <a:noFill/>
+          </a:ln>
+          <a:effectLst/>
         </p:spPr>
       </p:pic>
       <p:pic>
@@ -5699,14 +5812,407 @@
         </p:blipFill>
         <p:spPr>
           <a:xfrm>
-            <a:off x="5357818" y="2000240"/>
+            <a:off x="8001024" y="1928802"/>
             <a:ext cx="428628" cy="428628"/>
+          </a:xfrm>
+          <a:prstGeom prst="roundRect">
+            <a:avLst>
+              <a:gd name="adj" fmla="val 8594"/>
+            </a:avLst>
+          </a:prstGeom>
+          <a:solidFill>
+            <a:srgbClr val="FFFFFF">
+              <a:shade val="85000"/>
+            </a:srgbClr>
+          </a:solidFill>
+          <a:ln>
+            <a:noFill/>
+          </a:ln>
+          <a:effectLst/>
+        </p:spPr>
+      </p:pic>
+      <p:pic>
+        <p:nvPicPr>
+          <p:cNvPr id="1029" name="Picture 5"/>
+          <p:cNvPicPr>
+            <a:picLocks noChangeAspect="1" noChangeArrowheads="1"/>
+          </p:cNvPicPr>
+          <p:nvPr/>
+        </p:nvPicPr>
+        <p:blipFill>
+          <a:blip r:embed="rId13"/>
+          <a:srcRect/>
+          <a:stretch>
+            <a:fillRect/>
+          </a:stretch>
+        </p:blipFill>
+        <p:spPr bwMode="auto">
+          <a:xfrm>
+            <a:off x="5819788" y="3286124"/>
+            <a:ext cx="538162" cy="538162"/>
+          </a:xfrm>
+          <a:prstGeom prst="roundRect">
+            <a:avLst>
+              <a:gd name="adj" fmla="val 8594"/>
+            </a:avLst>
+          </a:prstGeom>
+          <a:solidFill>
+            <a:srgbClr val="FFFFFF">
+              <a:shade val="85000"/>
+            </a:srgbClr>
+          </a:solidFill>
+          <a:ln>
+            <a:noFill/>
+          </a:ln>
+          <a:effectLst/>
+        </p:spPr>
+      </p:pic>
+      <p:pic>
+        <p:nvPicPr>
+          <p:cNvPr id="1033" name="Picture 9"/>
+          <p:cNvPicPr>
+            <a:picLocks noChangeAspect="1" noChangeArrowheads="1"/>
+          </p:cNvPicPr>
+          <p:nvPr/>
+        </p:nvPicPr>
+        <p:blipFill>
+          <a:blip r:embed="rId14"/>
+          <a:srcRect/>
+          <a:stretch>
+            <a:fillRect/>
+          </a:stretch>
+        </p:blipFill>
+        <p:spPr bwMode="auto">
+          <a:xfrm>
+            <a:off x="7000892" y="3500438"/>
+            <a:ext cx="285752" cy="285752"/>
+          </a:xfrm>
+          <a:prstGeom prst="roundRect">
+            <a:avLst>
+              <a:gd name="adj" fmla="val 8594"/>
+            </a:avLst>
+          </a:prstGeom>
+          <a:solidFill>
+            <a:srgbClr val="FFFFFF">
+              <a:shade val="85000"/>
+            </a:srgbClr>
+          </a:solidFill>
+          <a:ln>
+            <a:noFill/>
+          </a:ln>
+          <a:effectLst/>
+        </p:spPr>
+      </p:pic>
+      <p:pic>
+        <p:nvPicPr>
+          <p:cNvPr id="1034" name="Picture 10"/>
+          <p:cNvPicPr>
+            <a:picLocks noChangeAspect="1" noChangeArrowheads="1"/>
+          </p:cNvPicPr>
+          <p:nvPr/>
+        </p:nvPicPr>
+        <p:blipFill>
+          <a:blip r:embed="rId15"/>
+          <a:srcRect/>
+          <a:stretch>
+            <a:fillRect/>
+          </a:stretch>
+        </p:blipFill>
+        <p:spPr bwMode="auto">
+          <a:xfrm>
+            <a:off x="6572264" y="3500438"/>
+            <a:ext cx="304800" cy="304800"/>
+          </a:xfrm>
+          <a:prstGeom prst="roundRect">
+            <a:avLst>
+              <a:gd name="adj" fmla="val 8594"/>
+            </a:avLst>
+          </a:prstGeom>
+          <a:solidFill>
+            <a:srgbClr val="FFFFFF">
+              <a:shade val="85000"/>
+            </a:srgbClr>
+          </a:solidFill>
+          <a:ln>
+            <a:noFill/>
+          </a:ln>
+          <a:effectLst/>
+        </p:spPr>
+      </p:pic>
+      <p:pic>
+        <p:nvPicPr>
+          <p:cNvPr id="1035" name="Picture 11"/>
+          <p:cNvPicPr>
+            <a:picLocks noChangeAspect="1" noChangeArrowheads="1"/>
+          </p:cNvPicPr>
+          <p:nvPr/>
+        </p:nvPicPr>
+        <p:blipFill>
+          <a:blip r:embed="rId16"/>
+          <a:srcRect/>
+          <a:stretch>
+            <a:fillRect/>
+          </a:stretch>
+        </p:blipFill>
+        <p:spPr bwMode="auto">
+          <a:xfrm>
+            <a:off x="6786578" y="3143248"/>
+            <a:ext cx="333374" cy="333374"/>
+          </a:xfrm>
+          <a:prstGeom prst="roundRect">
+            <a:avLst>
+              <a:gd name="adj" fmla="val 8594"/>
+            </a:avLst>
+          </a:prstGeom>
+          <a:solidFill>
+            <a:srgbClr val="FFFFFF">
+              <a:shade val="85000"/>
+            </a:srgbClr>
+          </a:solidFill>
+          <a:ln>
+            <a:noFill/>
+          </a:ln>
+          <a:effectLst/>
+        </p:spPr>
+      </p:pic>
+      <p:pic>
+        <p:nvPicPr>
+          <p:cNvPr id="1036" name="Picture 12"/>
+          <p:cNvPicPr>
+            <a:picLocks noChangeAspect="1" noChangeArrowheads="1"/>
+          </p:cNvPicPr>
+          <p:nvPr/>
+        </p:nvPicPr>
+        <p:blipFill>
+          <a:blip r:embed="rId17"/>
+          <a:srcRect/>
+          <a:stretch>
+            <a:fillRect/>
+          </a:stretch>
+        </p:blipFill>
+        <p:spPr bwMode="auto">
+          <a:xfrm>
+            <a:off x="7500961" y="3357562"/>
+            <a:ext cx="428625" cy="428625"/>
+          </a:xfrm>
+          <a:prstGeom prst="roundRect">
+            <a:avLst>
+              <a:gd name="adj" fmla="val 8594"/>
+            </a:avLst>
+          </a:prstGeom>
+          <a:solidFill>
+            <a:srgbClr val="FFFFFF">
+              <a:shade val="85000"/>
+            </a:srgbClr>
+          </a:solidFill>
+          <a:ln>
+            <a:noFill/>
+          </a:ln>
+          <a:effectLst/>
+        </p:spPr>
+      </p:pic>
+      <p:pic>
+        <p:nvPicPr>
+          <p:cNvPr id="1037" name="Picture 13"/>
+          <p:cNvPicPr>
+            <a:picLocks noChangeAspect="1" noChangeArrowheads="1"/>
+          </p:cNvPicPr>
+          <p:nvPr/>
+        </p:nvPicPr>
+        <p:blipFill>
+          <a:blip r:embed="rId18"/>
+          <a:srcRect/>
+          <a:stretch>
+            <a:fillRect/>
+          </a:stretch>
+        </p:blipFill>
+        <p:spPr bwMode="auto">
+          <a:xfrm>
+            <a:off x="5172497" y="3786190"/>
+            <a:ext cx="542511" cy="392112"/>
+          </a:xfrm>
+          <a:prstGeom prst="roundRect">
+            <a:avLst>
+              <a:gd name="adj" fmla="val 8594"/>
+            </a:avLst>
+          </a:prstGeom>
+          <a:solidFill>
+            <a:srgbClr val="FFFFFF">
+              <a:shade val="85000"/>
+            </a:srgbClr>
+          </a:solidFill>
+          <a:ln>
+            <a:noFill/>
+          </a:ln>
+          <a:effectLst/>
+        </p:spPr>
+      </p:pic>
+      <p:pic>
+        <p:nvPicPr>
+          <p:cNvPr id="1028" name="Picture 4"/>
+          <p:cNvPicPr>
+            <a:picLocks noChangeAspect="1" noChangeArrowheads="1"/>
+          </p:cNvPicPr>
+          <p:nvPr/>
+        </p:nvPicPr>
+        <p:blipFill>
+          <a:blip r:embed="rId19"/>
+          <a:srcRect/>
+          <a:stretch>
+            <a:fillRect/>
+          </a:stretch>
+        </p:blipFill>
+        <p:spPr bwMode="auto">
+          <a:xfrm>
+            <a:off x="5214942" y="3286124"/>
+            <a:ext cx="446548" cy="519112"/>
+          </a:xfrm>
+          <a:prstGeom prst="roundRect">
+            <a:avLst>
+              <a:gd name="adj" fmla="val 8594"/>
+            </a:avLst>
+          </a:prstGeom>
+          <a:solidFill>
+            <a:srgbClr val="FFFFFF">
+              <a:shade val="85000"/>
+            </a:srgbClr>
+          </a:solidFill>
+          <a:ln>
+            <a:noFill/>
+          </a:ln>
+          <a:effectLst/>
+        </p:spPr>
+      </p:pic>
+      <p:pic>
+        <p:nvPicPr>
+          <p:cNvPr id="1039" name="Picture 15"/>
+          <p:cNvPicPr>
+            <a:picLocks noChangeAspect="1" noChangeArrowheads="1"/>
+          </p:cNvPicPr>
+          <p:nvPr/>
+        </p:nvPicPr>
+        <p:blipFill>
+          <a:blip r:embed="rId20"/>
+          <a:srcRect/>
+          <a:stretch>
+            <a:fillRect/>
+          </a:stretch>
+        </p:blipFill>
+        <p:spPr bwMode="auto">
+          <a:xfrm>
+            <a:off x="5191132" y="4262446"/>
+            <a:ext cx="381000" cy="381000"/>
+          </a:xfrm>
+          <a:prstGeom prst="roundRect">
+            <a:avLst>
+              <a:gd name="adj" fmla="val 8594"/>
+            </a:avLst>
+          </a:prstGeom>
+          <a:solidFill>
+            <a:srgbClr val="FFFFFF">
+              <a:shade val="85000"/>
+            </a:srgbClr>
+          </a:solidFill>
+          <a:ln>
+            <a:noFill/>
+          </a:ln>
+          <a:effectLst/>
+        </p:spPr>
+      </p:pic>
+    </p:spTree>
+  </p:cSld>
+  <p:clrMapOvr>
+    <a:masterClrMapping/>
+  </p:clrMapOvr>
+</p:sld>
+</file>
+
+<file path=ppt/slides/slide8.xml><?xml version="1.0" encoding="utf-8"?>
+<p:sld xmlns:a="http://schemas.openxmlformats.org/drawingml/2006/main" xmlns:r="http://schemas.openxmlformats.org/officeDocument/2006/relationships" xmlns:p="http://schemas.openxmlformats.org/presentationml/2006/main">
+  <p:cSld>
+    <p:spTree>
+      <p:nvGrpSpPr>
+        <p:cNvPr id="1" name=""/>
+        <p:cNvGrpSpPr/>
+        <p:nvPr/>
+      </p:nvGrpSpPr>
+      <p:grpSpPr>
+        <a:xfrm>
+          <a:off x="0" y="0"/>
+          <a:ext cx="0" cy="0"/>
+          <a:chOff x="0" y="0"/>
+          <a:chExt cx="0" cy="0"/>
+        </a:xfrm>
+      </p:grpSpPr>
+      <p:pic>
+        <p:nvPicPr>
+          <p:cNvPr id="4" name="3 Marcador de contenido" descr="CodPlanUrbano.jpg"/>
+          <p:cNvPicPr>
+            <a:picLocks noGrp="1" noChangeAspect="1"/>
+          </p:cNvPicPr>
+          <p:nvPr>
+            <p:ph idx="1"/>
+          </p:nvPr>
+        </p:nvPicPr>
+        <p:blipFill>
+          <a:blip r:embed="rId2"/>
+          <a:stretch>
+            <a:fillRect/>
+          </a:stretch>
+        </p:blipFill>
+        <p:spPr>
+          <a:xfrm>
+            <a:off x="457200" y="1712463"/>
+            <a:ext cx="8229600" cy="4063311"/>
           </a:xfrm>
           <a:prstGeom prst="rect">
             <a:avLst/>
           </a:prstGeom>
+          <a:ln>
+            <a:noFill/>
+          </a:ln>
+          <a:effectLst>
+            <a:outerShdw blurRad="292100" dist="139700" dir="2700000" algn="tl" rotWithShape="0">
+              <a:srgbClr val="333333">
+                <a:alpha val="65000"/>
+              </a:srgbClr>
+            </a:outerShdw>
+          </a:effectLst>
         </p:spPr>
       </p:pic>
+      <p:sp>
+        <p:nvSpPr>
+          <p:cNvPr id="3" name="2 Título"/>
+          <p:cNvSpPr>
+            <a:spLocks noGrp="1"/>
+          </p:cNvSpPr>
+          <p:nvPr>
+            <p:ph type="title"/>
+          </p:nvPr>
+        </p:nvSpPr>
+        <p:spPr/>
+        <p:txBody>
+          <a:bodyPr>
+            <a:normAutofit fontScale="90000"/>
+          </a:bodyPr>
+          <a:lstStyle/>
+          <a:p>
+            <a:r>
+              <a:rPr lang="es-AR" dirty="0" smtClean="0"/>
+              <a:t>Código de </a:t>
+            </a:r>
+            <a:r>
+              <a:rPr lang="es-AR" dirty="0" smtClean="0"/>
+              <a:t>P</a:t>
+            </a:r>
+            <a:r>
+              <a:rPr lang="es-AR" dirty="0" smtClean="0"/>
+              <a:t>laneamiento Urbano</a:t>
+            </a:r>
+            <a:endParaRPr lang="es-AR" dirty="0"/>
+          </a:p>
+        </p:txBody>
+      </p:sp>
     </p:spTree>
   </p:cSld>
   <p:clrMapOvr>

--- a/trunk/TP Minería/Sistema de Información Geográfica.pptx
+++ b/trunk/TP Minería/Sistema de Información Geográfica.pptx
@@ -565,7 +565,7 @@
               </a:pathLst>
             </a:custGeom>
             <a:blipFill>
-              <a:blip r:embed="rId2">
+              <a:blip r:embed="rId2" cstate="print">
                 <a:alphaModFix amt="50000"/>
               </a:blip>
               <a:tile tx="0" ty="0" sx="50000" sy="50000" flip="none" algn="t"/>
@@ -740,7 +740,7 @@
             <a:fld id="{72C51A09-962E-41BF-A551-5E6061E87C25}" type="datetimeFigureOut">
               <a:rPr lang="es-AR" smtClean="0"/>
               <a:pPr/>
-              <a:t>16/09/2011</a:t>
+              <a:t>18/09/2011</a:t>
             </a:fld>
             <a:endParaRPr lang="es-AR"/>
           </a:p>
@@ -938,7 +938,7 @@
             <a:fld id="{72C51A09-962E-41BF-A551-5E6061E87C25}" type="datetimeFigureOut">
               <a:rPr lang="es-AR" smtClean="0"/>
               <a:pPr/>
-              <a:t>16/09/2011</a:t>
+              <a:t>18/09/2011</a:t>
             </a:fld>
             <a:endParaRPr lang="es-AR"/>
           </a:p>
@@ -1125,7 +1125,7 @@
             <a:fld id="{72C51A09-962E-41BF-A551-5E6061E87C25}" type="datetimeFigureOut">
               <a:rPr lang="es-AR" smtClean="0"/>
               <a:pPr/>
-              <a:t>16/09/2011</a:t>
+              <a:t>18/09/2011</a:t>
             </a:fld>
             <a:endParaRPr lang="es-AR"/>
           </a:p>
@@ -1277,7 +1277,7 @@
             <a:fld id="{72C51A09-962E-41BF-A551-5E6061E87C25}" type="datetimeFigureOut">
               <a:rPr lang="es-AR" smtClean="0"/>
               <a:pPr/>
-              <a:t>16/09/2011</a:t>
+              <a:t>18/09/2011</a:t>
             </a:fld>
             <a:endParaRPr lang="es-AR"/>
           </a:p>
@@ -1534,7 +1534,7 @@
             <a:fld id="{72C51A09-962E-41BF-A551-5E6061E87C25}" type="datetimeFigureOut">
               <a:rPr lang="es-AR" smtClean="0"/>
               <a:pPr/>
-              <a:t>16/09/2011</a:t>
+              <a:t>18/09/2011</a:t>
             </a:fld>
             <a:endParaRPr lang="es-AR"/>
           </a:p>
@@ -1945,7 +1945,7 @@
             <a:fld id="{72C51A09-962E-41BF-A551-5E6061E87C25}" type="datetimeFigureOut">
               <a:rPr lang="es-AR" smtClean="0"/>
               <a:pPr/>
-              <a:t>16/09/2011</a:t>
+              <a:t>18/09/2011</a:t>
             </a:fld>
             <a:endParaRPr lang="es-AR"/>
           </a:p>
@@ -2393,7 +2393,7 @@
             <a:fld id="{72C51A09-962E-41BF-A551-5E6061E87C25}" type="datetimeFigureOut">
               <a:rPr lang="es-AR" smtClean="0"/>
               <a:pPr/>
-              <a:t>16/09/2011</a:t>
+              <a:t>18/09/2011</a:t>
             </a:fld>
             <a:endParaRPr lang="es-AR"/>
           </a:p>
@@ -2496,7 +2496,7 @@
             <a:fld id="{72C51A09-962E-41BF-A551-5E6061E87C25}" type="datetimeFigureOut">
               <a:rPr lang="es-AR" smtClean="0"/>
               <a:pPr/>
-              <a:t>16/09/2011</a:t>
+              <a:t>18/09/2011</a:t>
             </a:fld>
             <a:endParaRPr lang="es-AR"/>
           </a:p>
@@ -2619,7 +2619,7 @@
             <a:fld id="{72C51A09-962E-41BF-A551-5E6061E87C25}" type="datetimeFigureOut">
               <a:rPr lang="es-AR" smtClean="0"/>
               <a:pPr/>
-              <a:t>16/09/2011</a:t>
+              <a:t>18/09/2011</a:t>
             </a:fld>
             <a:endParaRPr lang="es-AR"/>
           </a:p>
@@ -2895,7 +2895,7 @@
             <a:fld id="{72C51A09-962E-41BF-A551-5E6061E87C25}" type="datetimeFigureOut">
               <a:rPr lang="es-AR" smtClean="0"/>
               <a:pPr/>
-              <a:t>16/09/2011</a:t>
+              <a:t>18/09/2011</a:t>
             </a:fld>
             <a:endParaRPr lang="es-AR"/>
           </a:p>
@@ -3102,7 +3102,7 @@
             <a:fld id="{72C51A09-962E-41BF-A551-5E6061E87C25}" type="datetimeFigureOut">
               <a:rPr lang="es-AR" smtClean="0"/>
               <a:pPr/>
-              <a:t>16/09/2011</a:t>
+              <a:t>18/09/2011</a:t>
             </a:fld>
             <a:endParaRPr lang="es-AR"/>
           </a:p>
@@ -3405,7 +3405,7 @@
             <a:avLst/>
           </a:prstGeom>
           <a:blipFill>
-            <a:blip r:embed="rId2">
+            <a:blip r:embed="rId2" cstate="print">
               <a:alphaModFix amt="50000"/>
             </a:blip>
             <a:tile tx="0" ty="0" sx="50000" sy="50000" flip="none" algn="t"/>
@@ -3925,7 +3925,7 @@
             <a:avLst/>
           </a:prstGeom>
           <a:blipFill>
-            <a:blip r:embed="rId13">
+            <a:blip r:embed="rId13" cstate="print">
               <a:alphaModFix amt="50000"/>
             </a:blip>
             <a:tile tx="0" ty="0" sx="50000" sy="50000" flip="none" algn="t"/>
@@ -4213,7 +4213,7 @@
             <a:fld id="{72C51A09-962E-41BF-A551-5E6061E87C25}" type="datetimeFigureOut">
               <a:rPr lang="es-AR" smtClean="0"/>
               <a:pPr/>
-              <a:t>16/09/2011</a:t>
+              <a:t>18/09/2011</a:t>
             </a:fld>
             <a:endParaRPr lang="es-AR"/>
           </a:p>
@@ -4733,7 +4733,7 @@
           </p:nvPr>
         </p:nvPicPr>
         <p:blipFill>
-          <a:blip r:embed="rId2"/>
+          <a:blip r:embed="rId2" cstate="print"/>
           <a:stretch>
             <a:fillRect/>
           </a:stretch>
@@ -4938,7 +4938,7 @@
           </p:nvPr>
         </p:nvPicPr>
         <p:blipFill>
-          <a:blip r:embed="rId2"/>
+          <a:blip r:embed="rId2" cstate="print"/>
           <a:stretch>
             <a:fillRect/>
           </a:stretch>
@@ -5035,8 +5035,13 @@
             </a:r>
             <a:r>
               <a:rPr lang="es-AR" sz="2800" dirty="0" smtClean="0"/>
-              <a:t> en un inmueble</a:t>
-            </a:r>
+              <a:t> en </a:t>
+            </a:r>
+            <a:r>
+              <a:rPr lang="es-AR" sz="2800" dirty="0" smtClean="0"/>
+              <a:t>una parcela</a:t>
+            </a:r>
+            <a:endParaRPr lang="es-AR" sz="2800" dirty="0" smtClean="0"/>
           </a:p>
           <a:p>
             <a:pPr lvl="1"/>
@@ -5210,7 +5215,7 @@
           <p:nvPr/>
         </p:nvPicPr>
         <p:blipFill>
-          <a:blip r:embed="rId2"/>
+          <a:blip r:embed="rId2" cstate="print"/>
           <a:stretch>
             <a:fillRect/>
           </a:stretch>
@@ -5234,7 +5239,7 @@
           <p:nvPr/>
         </p:nvPicPr>
         <p:blipFill>
-          <a:blip r:embed="rId3"/>
+          <a:blip r:embed="rId3" cstate="print"/>
           <a:stretch>
             <a:fillRect/>
           </a:stretch>
@@ -5285,7 +5290,7 @@
           </p:nvPr>
         </p:nvPicPr>
         <p:blipFill>
-          <a:blip r:embed="rId2"/>
+          <a:blip r:embed="rId2" cstate="print"/>
           <a:stretch>
             <a:fillRect/>
           </a:stretch>
@@ -5449,7 +5454,7 @@
           <p:nvPr/>
         </p:nvPicPr>
         <p:blipFill>
-          <a:blip r:embed="rId2"/>
+          <a:blip r:embed="rId2" cstate="print"/>
           <a:srcRect/>
           <a:stretch>
             <a:fillRect/>
@@ -5485,7 +5490,7 @@
           <p:nvPr/>
         </p:nvPicPr>
         <p:blipFill>
-          <a:blip r:embed="rId3"/>
+          <a:blip r:embed="rId3" cstate="print"/>
           <a:srcRect/>
           <a:stretch>
             <a:fillRect/>
@@ -5521,7 +5526,7 @@
           <p:nvPr/>
         </p:nvPicPr>
         <p:blipFill>
-          <a:blip r:embed="rId4"/>
+          <a:blip r:embed="rId4" cstate="print"/>
           <a:srcRect/>
           <a:stretch>
             <a:fillRect/>
@@ -5627,7 +5632,7 @@
           <p:nvPr/>
         </p:nvPicPr>
         <p:blipFill>
-          <a:blip r:embed="rId7"/>
+          <a:blip r:embed="rId7" cstate="print"/>
           <a:srcRect/>
           <a:stretch>
             <a:fillRect/>
@@ -5663,7 +5668,7 @@
           <p:nvPr/>
         </p:nvPicPr>
         <p:blipFill>
-          <a:blip r:embed="rId8"/>
+          <a:blip r:embed="rId8" cstate="print"/>
           <a:srcRect/>
           <a:stretch>
             <a:fillRect/>
@@ -5699,7 +5704,7 @@
           <p:nvPr/>
         </p:nvPicPr>
         <p:blipFill>
-          <a:blip r:embed="rId9"/>
+          <a:blip r:embed="rId9" cstate="print"/>
           <a:srcRect/>
           <a:stretch>
             <a:fillRect/>
@@ -5735,7 +5740,7 @@
           <p:nvPr/>
         </p:nvPicPr>
         <p:blipFill>
-          <a:blip r:embed="rId10"/>
+          <a:blip r:embed="rId10" cstate="print"/>
           <a:stretch>
             <a:fillRect/>
           </a:stretch>
@@ -5770,7 +5775,7 @@
           <p:nvPr/>
         </p:nvPicPr>
         <p:blipFill>
-          <a:blip r:embed="rId11"/>
+          <a:blip r:embed="rId11" cstate="print"/>
           <a:stretch>
             <a:fillRect/>
           </a:stretch>
@@ -5805,7 +5810,7 @@
           <p:nvPr/>
         </p:nvPicPr>
         <p:blipFill>
-          <a:blip r:embed="rId12"/>
+          <a:blip r:embed="rId12" cstate="print"/>
           <a:stretch>
             <a:fillRect/>
           </a:stretch>
@@ -5840,7 +5845,7 @@
           <p:nvPr/>
         </p:nvPicPr>
         <p:blipFill>
-          <a:blip r:embed="rId13"/>
+          <a:blip r:embed="rId13" cstate="print"/>
           <a:srcRect/>
           <a:stretch>
             <a:fillRect/>
@@ -5876,7 +5881,7 @@
           <p:nvPr/>
         </p:nvPicPr>
         <p:blipFill>
-          <a:blip r:embed="rId14"/>
+          <a:blip r:embed="rId14" cstate="print"/>
           <a:srcRect/>
           <a:stretch>
             <a:fillRect/>
@@ -5912,7 +5917,7 @@
           <p:nvPr/>
         </p:nvPicPr>
         <p:blipFill>
-          <a:blip r:embed="rId15"/>
+          <a:blip r:embed="rId15" cstate="print"/>
           <a:srcRect/>
           <a:stretch>
             <a:fillRect/>
@@ -5948,7 +5953,7 @@
           <p:nvPr/>
         </p:nvPicPr>
         <p:blipFill>
-          <a:blip r:embed="rId16"/>
+          <a:blip r:embed="rId16" cstate="print"/>
           <a:srcRect/>
           <a:stretch>
             <a:fillRect/>
@@ -5984,7 +5989,7 @@
           <p:nvPr/>
         </p:nvPicPr>
         <p:blipFill>
-          <a:blip r:embed="rId17"/>
+          <a:blip r:embed="rId17" cstate="print"/>
           <a:srcRect/>
           <a:stretch>
             <a:fillRect/>
@@ -6020,7 +6025,7 @@
           <p:nvPr/>
         </p:nvPicPr>
         <p:blipFill>
-          <a:blip r:embed="rId18"/>
+          <a:blip r:embed="rId18" cstate="print"/>
           <a:srcRect/>
           <a:stretch>
             <a:fillRect/>
@@ -6056,7 +6061,7 @@
           <p:nvPr/>
         </p:nvPicPr>
         <p:blipFill>
-          <a:blip r:embed="rId19"/>
+          <a:blip r:embed="rId19" cstate="print"/>
           <a:srcRect/>
           <a:stretch>
             <a:fillRect/>
@@ -6092,7 +6097,7 @@
           <p:nvPr/>
         </p:nvPicPr>
         <p:blipFill>
-          <a:blip r:embed="rId20"/>
+          <a:blip r:embed="rId20" cstate="print"/>
           <a:srcRect/>
           <a:stretch>
             <a:fillRect/>
@@ -6155,7 +6160,7 @@
           </p:nvPr>
         </p:nvPicPr>
         <p:blipFill>
-          <a:blip r:embed="rId2"/>
+          <a:blip r:embed="rId2" cstate="print"/>
           <a:stretch>
             <a:fillRect/>
           </a:stretch>
@@ -6199,15 +6204,7 @@
           <a:p>
             <a:r>
               <a:rPr lang="es-AR" dirty="0" smtClean="0"/>
-              <a:t>Código de </a:t>
-            </a:r>
-            <a:r>
-              <a:rPr lang="es-AR" dirty="0" smtClean="0"/>
-              <a:t>P</a:t>
-            </a:r>
-            <a:r>
-              <a:rPr lang="es-AR" dirty="0" smtClean="0"/>
-              <a:t>laneamiento Urbano</a:t>
+              <a:t>Código de Planeamiento Urbano</a:t>
             </a:r>
             <a:endParaRPr lang="es-AR" dirty="0"/>
           </a:p>
